--- a/src/test/resources/ppt/4_XML.pptx
+++ b/src/test/resources/ppt/4_XML.pptx
@@ -216,7 +216,7 @@
           <a:p>
             <a:fld id="{024E54E4-1F8B-4589-8D38-870E6126C5BD}" type="datetimeFigureOut">
               <a:rPr lang="ru-RU" smtClean="0"/>
-              <a:t>20.10.2018</a:t>
+              <a:t>23.10.2018</a:t>
             </a:fld>
             <a:endParaRPr lang="ru-RU"/>
           </a:p>
@@ -615,7 +615,7 @@
           <a:p>
             <a:fld id="{0A58A35B-BF12-459F-8909-6DBFBE19A055}" type="datetimeFigureOut">
               <a:rPr lang="ru-RU" smtClean="0"/>
-              <a:t>20.10.2018</a:t>
+              <a:t>23.10.2018</a:t>
             </a:fld>
             <a:endParaRPr lang="ru-RU"/>
           </a:p>
@@ -785,7 +785,7 @@
           <a:p>
             <a:fld id="{0A58A35B-BF12-459F-8909-6DBFBE19A055}" type="datetimeFigureOut">
               <a:rPr lang="ru-RU" smtClean="0"/>
-              <a:t>20.10.2018</a:t>
+              <a:t>23.10.2018</a:t>
             </a:fld>
             <a:endParaRPr lang="ru-RU"/>
           </a:p>
@@ -965,7 +965,7 @@
           <a:p>
             <a:fld id="{0A58A35B-BF12-459F-8909-6DBFBE19A055}" type="datetimeFigureOut">
               <a:rPr lang="ru-RU" smtClean="0"/>
-              <a:t>20.10.2018</a:t>
+              <a:t>23.10.2018</a:t>
             </a:fld>
             <a:endParaRPr lang="ru-RU"/>
           </a:p>
@@ -1135,7 +1135,7 @@
           <a:p>
             <a:fld id="{0A58A35B-BF12-459F-8909-6DBFBE19A055}" type="datetimeFigureOut">
               <a:rPr lang="ru-RU" smtClean="0"/>
-              <a:t>20.10.2018</a:t>
+              <a:t>23.10.2018</a:t>
             </a:fld>
             <a:endParaRPr lang="ru-RU"/>
           </a:p>
@@ -1381,7 +1381,7 @@
           <a:p>
             <a:fld id="{0A58A35B-BF12-459F-8909-6DBFBE19A055}" type="datetimeFigureOut">
               <a:rPr lang="ru-RU" smtClean="0"/>
-              <a:t>20.10.2018</a:t>
+              <a:t>23.10.2018</a:t>
             </a:fld>
             <a:endParaRPr lang="ru-RU"/>
           </a:p>
@@ -1613,7 +1613,7 @@
           <a:p>
             <a:fld id="{0A58A35B-BF12-459F-8909-6DBFBE19A055}" type="datetimeFigureOut">
               <a:rPr lang="ru-RU" smtClean="0"/>
-              <a:t>20.10.2018</a:t>
+              <a:t>23.10.2018</a:t>
             </a:fld>
             <a:endParaRPr lang="ru-RU"/>
           </a:p>
@@ -1980,7 +1980,7 @@
           <a:p>
             <a:fld id="{0A58A35B-BF12-459F-8909-6DBFBE19A055}" type="datetimeFigureOut">
               <a:rPr lang="ru-RU" smtClean="0"/>
-              <a:t>20.10.2018</a:t>
+              <a:t>23.10.2018</a:t>
             </a:fld>
             <a:endParaRPr lang="ru-RU"/>
           </a:p>
@@ -2098,7 +2098,7 @@
           <a:p>
             <a:fld id="{0A58A35B-BF12-459F-8909-6DBFBE19A055}" type="datetimeFigureOut">
               <a:rPr lang="ru-RU" smtClean="0"/>
-              <a:t>20.10.2018</a:t>
+              <a:t>23.10.2018</a:t>
             </a:fld>
             <a:endParaRPr lang="ru-RU"/>
           </a:p>
@@ -2193,7 +2193,7 @@
           <a:p>
             <a:fld id="{0A58A35B-BF12-459F-8909-6DBFBE19A055}" type="datetimeFigureOut">
               <a:rPr lang="ru-RU" smtClean="0"/>
-              <a:t>20.10.2018</a:t>
+              <a:t>23.10.2018</a:t>
             </a:fld>
             <a:endParaRPr lang="ru-RU"/>
           </a:p>
@@ -2470,7 +2470,7 @@
           <a:p>
             <a:fld id="{0A58A35B-BF12-459F-8909-6DBFBE19A055}" type="datetimeFigureOut">
               <a:rPr lang="ru-RU" smtClean="0"/>
-              <a:t>20.10.2018</a:t>
+              <a:t>23.10.2018</a:t>
             </a:fld>
             <a:endParaRPr lang="ru-RU"/>
           </a:p>
@@ -2723,7 +2723,7 @@
           <a:p>
             <a:fld id="{0A58A35B-BF12-459F-8909-6DBFBE19A055}" type="datetimeFigureOut">
               <a:rPr lang="ru-RU" smtClean="0"/>
-              <a:t>20.10.2018</a:t>
+              <a:t>23.10.2018</a:t>
             </a:fld>
             <a:endParaRPr lang="ru-RU"/>
           </a:p>
@@ -2936,7 +2936,7 @@
           <a:p>
             <a:fld id="{0A58A35B-BF12-459F-8909-6DBFBE19A055}" type="datetimeFigureOut">
               <a:rPr lang="ru-RU" smtClean="0"/>
-              <a:t>20.10.2018</a:t>
+              <a:t>23.10.2018</a:t>
             </a:fld>
             <a:endParaRPr lang="ru-RU"/>
           </a:p>
@@ -3374,6 +3374,13 @@
   <p:clrMapOvr>
     <a:masterClrMapping/>
   </p:clrMapOvr>
+  <p:timing>
+    <p:tnLst>
+      <p:par>
+        <p:cTn id="1" dur="indefinite" restart="never" nodeType="tmRoot"/>
+      </p:par>
+    </p:tnLst>
+  </p:timing>
 </p:sld>
 </file>
 
@@ -4192,21 +4199,7 @@
                 <a:latin typeface="Courier New" panose="02070309020205020404" pitchFamily="49" charset="0"/>
                 <a:cs typeface="Courier New" panose="02070309020205020404" pitchFamily="49" charset="0"/>
               </a:rPr>
-              <a:t>= "http</a:t>
-            </a:r>
-            <a:r>
-              <a:rPr kumimoji="0" lang="ru-RU" altLang="ru-RU" sz="2000" b="1" i="0" u="none" strike="noStrike" cap="none" normalizeH="0" baseline="0" dirty="0" smtClean="0">
-                <a:ln>
-                  <a:noFill/>
-                </a:ln>
-                <a:solidFill>
-                  <a:srgbClr val="008000"/>
-                </a:solidFill>
-                <a:effectLst/>
-                <a:latin typeface="Courier New" panose="02070309020205020404" pitchFamily="49" charset="0"/>
-                <a:cs typeface="Courier New" panose="02070309020205020404" pitchFamily="49" charset="0"/>
-              </a:rPr>
-              <a:t>://</a:t>
+              <a:t>= "http://</a:t>
             </a:r>
             <a:r>
               <a:rPr lang="en-US" altLang="ru-RU" sz="2000" b="1" dirty="0" smtClean="0">
@@ -4397,21 +4390,7 @@
                 <a:latin typeface="Courier New" panose="02070309020205020404" pitchFamily="49" charset="0"/>
                 <a:cs typeface="Courier New" panose="02070309020205020404" pitchFamily="49" charset="0"/>
               </a:rPr>
-              <a:t>= "http</a:t>
-            </a:r>
-            <a:r>
-              <a:rPr kumimoji="0" lang="ru-RU" altLang="ru-RU" sz="2000" b="1" i="0" u="none" strike="noStrike" cap="none" normalizeH="0" baseline="0" dirty="0" smtClean="0">
-                <a:ln>
-                  <a:noFill/>
-                </a:ln>
-                <a:solidFill>
-                  <a:srgbClr val="008000"/>
-                </a:solidFill>
-                <a:effectLst/>
-                <a:latin typeface="Courier New" panose="02070309020205020404" pitchFamily="49" charset="0"/>
-                <a:cs typeface="Courier New" panose="02070309020205020404" pitchFamily="49" charset="0"/>
-              </a:rPr>
-              <a:t>://</a:t>
+              <a:t>= "http://</a:t>
             </a:r>
             <a:r>
               <a:rPr lang="en-US" altLang="ru-RU" sz="2000" b="1" dirty="0" smtClean="0">
@@ -4722,6 +4701,13 @@
   <p:clrMapOvr>
     <a:masterClrMapping/>
   </p:clrMapOvr>
+  <p:timing>
+    <p:tnLst>
+      <p:par>
+        <p:cTn id="1" dur="indefinite" restart="never" nodeType="tmRoot"/>
+      </p:par>
+    </p:tnLst>
+  </p:timing>
 </p:sld>
 </file>
 
@@ -6940,6 +6926,13 @@
   <p:clrMapOvr>
     <a:masterClrMapping/>
   </p:clrMapOvr>
+  <p:timing>
+    <p:tnLst>
+      <p:par>
+        <p:cTn id="1" dur="indefinite" restart="never" nodeType="tmRoot"/>
+      </p:par>
+    </p:tnLst>
+  </p:timing>
 </p:sld>
 </file>
 
@@ -7000,7 +6993,7 @@
         </p:nvSpPr>
         <p:spPr bwMode="auto">
           <a:xfrm>
-            <a:off x="1380227" y="2050551"/>
+            <a:off x="1371760" y="2465418"/>
             <a:ext cx="5423280" cy="2308324"/>
           </a:xfrm>
           <a:prstGeom prst="rect">
@@ -7736,6 +7729,37 @@
           </a:p>
         </p:txBody>
       </p:sp>
+      <p:sp>
+        <p:nvSpPr>
+          <p:cNvPr id="4" name="Subtitle 2"/>
+          <p:cNvSpPr>
+            <a:spLocks noGrp="1"/>
+          </p:cNvSpPr>
+          <p:nvPr>
+            <p:ph type="subTitle" idx="1"/>
+          </p:nvPr>
+        </p:nvSpPr>
+        <p:spPr>
+          <a:xfrm>
+            <a:off x="715991" y="1471314"/>
+            <a:ext cx="11110823" cy="374419"/>
+          </a:xfrm>
+        </p:spPr>
+        <p:txBody>
+          <a:bodyPr>
+            <a:normAutofit/>
+          </a:bodyPr>
+          <a:lstStyle/>
+          <a:p>
+            <a:pPr algn="l"/>
+            <a:r>
+              <a:rPr lang="en-US" altLang="ru-RU" sz="2000" dirty="0" smtClean="0"/>
+              <a:t>Default namespace is used for an element it is declared in and all nested elements</a:t>
+            </a:r>
+            <a:endParaRPr lang="en-US" altLang="ru-RU" sz="2000" dirty="0"/>
+          </a:p>
+        </p:txBody>
+      </p:sp>
     </p:spTree>
     <p:extLst>
       <p:ext uri="{BB962C8B-B14F-4D97-AF65-F5344CB8AC3E}">
@@ -7746,6 +7770,13 @@
   <p:clrMapOvr>
     <a:masterClrMapping/>
   </p:clrMapOvr>
+  <p:timing>
+    <p:tnLst>
+      <p:par>
+        <p:cTn id="1" dur="indefinite" restart="never" nodeType="tmRoot"/>
+      </p:par>
+    </p:tnLst>
+  </p:timing>
 </p:sld>
 </file>
 
@@ -7934,6 +7965,13 @@
   <p:clrMapOvr>
     <a:masterClrMapping/>
   </p:clrMapOvr>
+  <p:timing>
+    <p:tnLst>
+      <p:par>
+        <p:cTn id="1" dur="indefinite" restart="never" nodeType="tmRoot"/>
+      </p:par>
+    </p:tnLst>
+  </p:timing>
 </p:sld>
 </file>
 
@@ -8130,6 +8168,13 @@
   <p:clrMapOvr>
     <a:masterClrMapping/>
   </p:clrMapOvr>
+  <p:timing>
+    <p:tnLst>
+      <p:par>
+        <p:cTn id="1" dur="indefinite" restart="never" nodeType="tmRoot"/>
+      </p:par>
+    </p:tnLst>
+  </p:timing>
 </p:sld>
 </file>
 
@@ -8247,6 +8292,13 @@
   <p:clrMapOvr>
     <a:masterClrMapping/>
   </p:clrMapOvr>
+  <p:timing>
+    <p:tnLst>
+      <p:par>
+        <p:cTn id="1" dur="indefinite" restart="never" nodeType="tmRoot"/>
+      </p:par>
+    </p:tnLst>
+  </p:timing>
 </p:sld>
 </file>
 
@@ -9061,6 +9113,13 @@
   <p:clrMapOvr>
     <a:masterClrMapping/>
   </p:clrMapOvr>
+  <p:timing>
+    <p:tnLst>
+      <p:par>
+        <p:cTn id="1" dur="indefinite" restart="never" nodeType="tmRoot"/>
+      </p:par>
+    </p:tnLst>
+  </p:timing>
 </p:sld>
 </file>
 
@@ -9856,20 +9915,6 @@
               </a:rPr>
               <a:t>&gt;</a:t>
             </a:r>
-            <a:r>
-              <a:rPr kumimoji="0" lang="ru-RU" altLang="ru-RU" sz="1400" b="0" i="0" u="none" strike="noStrike" cap="none" normalizeH="0" baseline="0" dirty="0" smtClean="0">
-                <a:ln>
-                  <a:noFill/>
-                </a:ln>
-                <a:solidFill>
-                  <a:srgbClr val="000000"/>
-                </a:solidFill>
-                <a:effectLst/>
-                <a:latin typeface="Courier New" panose="02070309020205020404" pitchFamily="49" charset="0"/>
-                <a:cs typeface="Courier New" panose="02070309020205020404" pitchFamily="49" charset="0"/>
-              </a:rPr>
-              <a:t/>
-            </a:r>
             <a:br>
               <a:rPr kumimoji="0" lang="ru-RU" altLang="ru-RU" sz="1400" b="0" i="0" u="none" strike="noStrike" cap="none" normalizeH="0" baseline="0" dirty="0" smtClean="0">
                 <a:ln>
@@ -11107,6 +11152,13 @@
   <p:clrMapOvr>
     <a:masterClrMapping/>
   </p:clrMapOvr>
+  <p:timing>
+    <p:tnLst>
+      <p:par>
+        <p:cTn id="1" dur="indefinite" restart="never" nodeType="tmRoot"/>
+      </p:par>
+    </p:tnLst>
+  </p:timing>
 </p:sld>
 </file>
 
@@ -13101,6 +13153,13 @@
   <p:clrMapOvr>
     <a:masterClrMapping/>
   </p:clrMapOvr>
+  <p:timing>
+    <p:tnLst>
+      <p:par>
+        <p:cTn id="1" dur="indefinite" restart="never" nodeType="tmRoot"/>
+      </p:par>
+    </p:tnLst>
+  </p:timing>
 </p:sld>
 </file>
 
@@ -13847,6 +13906,13 @@
   <p:clrMapOvr>
     <a:masterClrMapping/>
   </p:clrMapOvr>
+  <p:timing>
+    <p:tnLst>
+      <p:par>
+        <p:cTn id="1" dur="indefinite" restart="never" nodeType="tmRoot"/>
+      </p:par>
+    </p:tnLst>
+  </p:timing>
 </p:sld>
 </file>
 
@@ -13909,13 +13975,13 @@
         </p:nvSpPr>
         <p:spPr>
           <a:xfrm>
-            <a:off x="715991" y="1471314"/>
+            <a:off x="682124" y="1251181"/>
             <a:ext cx="11110823" cy="4886354"/>
           </a:xfrm>
         </p:spPr>
         <p:txBody>
           <a:bodyPr>
-            <a:normAutofit lnSpcReduction="10000"/>
+            <a:normAutofit fontScale="92500" lnSpcReduction="10000"/>
           </a:bodyPr>
           <a:lstStyle/>
           <a:p>
@@ -13930,38 +13996,63 @@
           <a:p>
             <a:pPr algn="l"/>
             <a:r>
-              <a:rPr lang="en-US" altLang="ru-RU" dirty="0" smtClean="0"/>
+              <a:rPr lang="en-US" altLang="ru-RU" dirty="0" smtClean="0">
+                <a:latin typeface="Courier New" panose="02070309020205020404" pitchFamily="49" charset="0"/>
+                <a:cs typeface="Courier New" panose="02070309020205020404" pitchFamily="49" charset="0"/>
+              </a:rPr>
               <a:t>&lt;article&gt;</a:t>
             </a:r>
           </a:p>
           <a:p>
             <a:pPr algn="l"/>
             <a:r>
-              <a:rPr lang="en-US" altLang="ru-RU" dirty="0" smtClean="0"/>
+              <a:rPr lang="en-US" altLang="ru-RU" dirty="0" smtClean="0">
+                <a:latin typeface="Courier New" panose="02070309020205020404" pitchFamily="49" charset="0"/>
+                <a:cs typeface="Courier New" panose="02070309020205020404" pitchFamily="49" charset="0"/>
+              </a:rPr>
               <a:t>  &lt;author&gt;Gerhard </a:t>
             </a:r>
             <a:r>
-              <a:rPr lang="en-US" altLang="ru-RU" dirty="0" err="1" smtClean="0"/>
+              <a:rPr lang="en-US" altLang="ru-RU" dirty="0" err="1" smtClean="0">
+                <a:latin typeface="Courier New" panose="02070309020205020404" pitchFamily="49" charset="0"/>
+                <a:cs typeface="Courier New" panose="02070309020205020404" pitchFamily="49" charset="0"/>
+              </a:rPr>
               <a:t>Weikum</a:t>
             </a:r>
             <a:r>
-              <a:rPr lang="en-US" altLang="ru-RU" dirty="0" smtClean="0"/>
+              <a:rPr lang="en-US" altLang="ru-RU" dirty="0" smtClean="0">
+                <a:latin typeface="Courier New" panose="02070309020205020404" pitchFamily="49" charset="0"/>
+                <a:cs typeface="Courier New" panose="02070309020205020404" pitchFamily="49" charset="0"/>
+              </a:rPr>
               <a:t>&lt;/author&gt;</a:t>
             </a:r>
           </a:p>
           <a:p>
             <a:pPr algn="l"/>
             <a:r>
-              <a:rPr lang="en-US" altLang="ru-RU" dirty="0" smtClean="0"/>
+              <a:rPr lang="en-US" altLang="ru-RU" dirty="0" smtClean="0">
+                <a:latin typeface="Courier New" panose="02070309020205020404" pitchFamily="49" charset="0"/>
+                <a:cs typeface="Courier New" panose="02070309020205020404" pitchFamily="49" charset="0"/>
+              </a:rPr>
               <a:t>  &lt;title&gt;The Web in 10 Years&lt;/title&gt;</a:t>
             </a:r>
           </a:p>
           <a:p>
             <a:pPr algn="l"/>
             <a:r>
-              <a:rPr lang="en-US" altLang="ru-RU" dirty="0" smtClean="0"/>
+              <a:rPr lang="en-US" altLang="ru-RU" dirty="0" smtClean="0">
+                <a:latin typeface="Courier New" panose="02070309020205020404" pitchFamily="49" charset="0"/>
+                <a:cs typeface="Courier New" panose="02070309020205020404" pitchFamily="49" charset="0"/>
+              </a:rPr>
               <a:t>&lt;/article&gt;</a:t>
             </a:r>
+          </a:p>
+          <a:p>
+            <a:pPr algn="l"/>
+            <a:endParaRPr lang="en-US" altLang="ru-RU" dirty="0" smtClean="0">
+              <a:latin typeface="Courier New" panose="02070309020205020404" pitchFamily="49" charset="0"/>
+              <a:cs typeface="Courier New" panose="02070309020205020404" pitchFamily="49" charset="0"/>
+            </a:endParaRPr>
           </a:p>
           <a:p>
             <a:pPr marL="342900" indent="-342900" algn="l">
@@ -14106,6 +14197,13 @@
   <p:clrMapOvr>
     <a:masterClrMapping/>
   </p:clrMapOvr>
+  <p:timing>
+    <p:tnLst>
+      <p:par>
+        <p:cTn id="1" dur="indefinite" restart="never" nodeType="tmRoot"/>
+      </p:par>
+    </p:tnLst>
+  </p:timing>
 </p:sld>
 </file>
 
@@ -14448,6 +14546,13 @@
   <p:clrMapOvr>
     <a:masterClrMapping/>
   </p:clrMapOvr>
+  <p:timing>
+    <p:tnLst>
+      <p:par>
+        <p:cTn id="1" dur="indefinite" restart="never" nodeType="tmRoot"/>
+      </p:par>
+    </p:tnLst>
+  </p:timing>
 </p:sld>
 </file>
 
@@ -14571,6 +14676,13 @@
   <p:clrMapOvr>
     <a:masterClrMapping/>
   </p:clrMapOvr>
+  <p:timing>
+    <p:tnLst>
+      <p:par>
+        <p:cTn id="1" dur="indefinite" restart="never" nodeType="tmRoot"/>
+      </p:par>
+    </p:tnLst>
+  </p:timing>
 </p:sld>
 </file>
 
@@ -14645,11 +14757,7 @@
           <a:p>
             <a:r>
               <a:rPr lang="en-US" altLang="ru-RU" sz="2800" b="1" dirty="0" smtClean="0"/>
-              <a:t>XML is a tree. Example</a:t>
-            </a:r>
-            <a:r>
-              <a:rPr lang="en-US" altLang="ru-RU" sz="2800" b="1" dirty="0" smtClean="0"/>
-              <a:t>:</a:t>
+              <a:t>XML is a tree. Example:</a:t>
             </a:r>
             <a:endParaRPr lang="en-US" sz="2800" dirty="0" smtClean="0"/>
           </a:p>
@@ -15516,20 +15624,6 @@
                 <a:cs typeface="Courier New" panose="02070309020205020404" pitchFamily="49" charset="0"/>
               </a:rPr>
               <a:t>&gt;</a:t>
-            </a:r>
-            <a:r>
-              <a:rPr kumimoji="0" lang="ru-RU" altLang="ru-RU" sz="1400" b="0" i="0" u="none" strike="noStrike" cap="none" normalizeH="0" baseline="0" dirty="0" smtClean="0">
-                <a:ln>
-                  <a:noFill/>
-                </a:ln>
-                <a:solidFill>
-                  <a:srgbClr val="000000"/>
-                </a:solidFill>
-                <a:effectLst/>
-                <a:latin typeface="Courier New" panose="02070309020205020404" pitchFamily="49" charset="0"/>
-                <a:cs typeface="Courier New" panose="02070309020205020404" pitchFamily="49" charset="0"/>
-              </a:rPr>
-              <a:t/>
             </a:r>
             <a:br>
               <a:rPr kumimoji="0" lang="ru-RU" altLang="ru-RU" sz="1400" b="0" i="0" u="none" strike="noStrike" cap="none" normalizeH="0" baseline="0" dirty="0" smtClean="0">
@@ -16466,6 +16560,13 @@
   <p:clrMapOvr>
     <a:masterClrMapping/>
   </p:clrMapOvr>
+  <p:timing>
+    <p:tnLst>
+      <p:par>
+        <p:cTn id="1" dur="indefinite" restart="never" nodeType="tmRoot"/>
+      </p:par>
+    </p:tnLst>
+  </p:timing>
 </p:sld>
 </file>
 
@@ -16743,6 +16844,13 @@
   <p:clrMapOvr>
     <a:masterClrMapping/>
   </p:clrMapOvr>
+  <p:timing>
+    <p:tnLst>
+      <p:par>
+        <p:cTn id="1" dur="indefinite" restart="never" nodeType="tmRoot"/>
+      </p:par>
+    </p:tnLst>
+  </p:timing>
 </p:sld>
 </file>
 
@@ -17258,6 +17366,13 @@
   <p:clrMapOvr>
     <a:masterClrMapping/>
   </p:clrMapOvr>
+  <p:timing>
+    <p:tnLst>
+      <p:par>
+        <p:cTn id="1" dur="indefinite" restart="never" nodeType="tmRoot"/>
+      </p:par>
+    </p:tnLst>
+  </p:timing>
 </p:sld>
 </file>
 
@@ -18095,6 +18210,13 @@
   <p:clrMapOvr>
     <a:masterClrMapping/>
   </p:clrMapOvr>
+  <p:timing>
+    <p:tnLst>
+      <p:par>
+        <p:cTn id="1" dur="indefinite" restart="never" nodeType="tmRoot"/>
+      </p:par>
+    </p:tnLst>
+  </p:timing>
 </p:sld>
 </file>
 
@@ -18563,6 +18685,13 @@
   <p:clrMapOvr>
     <a:masterClrMapping/>
   </p:clrMapOvr>
+  <p:timing>
+    <p:tnLst>
+      <p:par>
+        <p:cTn id="1" dur="indefinite" restart="never" nodeType="tmRoot"/>
+      </p:par>
+    </p:tnLst>
+  </p:timing>
 </p:sld>
 </file>
 
